--- a/Final_report.pptx
+++ b/Final_report.pptx
@@ -36863,21 +36863,21 @@
                 <a:latin typeface="Times New Roman" panose="02020603050405020304" pitchFamily="18" charset="0"/>
                 <a:cs typeface="Times New Roman" panose="02020603050405020304" pitchFamily="18" charset="0"/>
               </a:rPr>
-              <a:t>We reworked over the data cleaning </a:t>
+              <a:t>We worked over data cleaning </a:t>
             </a:r>
             <a:r>
               <a:rPr lang="en-IN" sz="1600" dirty="0">
                 <a:latin typeface="Times New Roman" panose="02020603050405020304" pitchFamily="18" charset="0"/>
                 <a:cs typeface="Times New Roman" panose="02020603050405020304" pitchFamily="18" charset="0"/>
               </a:rPr>
-              <a:t>[4] </a:t>
+              <a:t>[4]  </a:t>
             </a:r>
             <a:r>
               <a:rPr lang="en-IN" sz="2000" dirty="0">
                 <a:latin typeface="Times New Roman" panose="02020603050405020304" pitchFamily="18" charset="0"/>
                 <a:cs typeface="Times New Roman" panose="02020603050405020304" pitchFamily="18" charset="0"/>
               </a:rPr>
-              <a:t>that we did because the data was being lost in our last attempt of cleaning.</a:t>
+              <a:t>multiple times because the data was being lost in our initial attempt of cleaning.</a:t>
             </a:r>
           </a:p>
           <a:p>
